--- a/Team26.pptx
+++ b/Team26.pptx
@@ -4757,7 +4757,7 @@
         <p:spPr>
           <a:xfrm>
             <a:off x="1066800" y="1981200"/>
-            <a:ext cx="6629400" cy="4308872"/>
+            <a:ext cx="6629400" cy="4801314"/>
           </a:xfrm>
           <a:prstGeom prst="rect">
             <a:avLst/>
@@ -4785,7 +4785,19 @@
             </a:pPr>
             <a:r>
               <a:rPr lang="en-US" sz="3200" dirty="0" smtClean="0"/>
-              <a:t>The single player will be differentiated than the other tanker.</a:t>
+              <a:t>The single player will </a:t>
+            </a:r>
+            <a:r>
+              <a:rPr lang="en-US" sz="3200" dirty="0" smtClean="0"/>
+              <a:t>attack the opponent</a:t>
+            </a:r>
+            <a:r>
+              <a:rPr lang="en-US" sz="3200" dirty="0" smtClean="0"/>
+              <a:t> </a:t>
+            </a:r>
+            <a:r>
+              <a:rPr lang="en-US" sz="3200" dirty="0" smtClean="0"/>
+              <a:t>differentiated than the other tanker.</a:t>
             </a:r>
           </a:p>
           <a:p>
@@ -4795,7 +4807,15 @@
             </a:pPr>
             <a:r>
               <a:rPr lang="en-US" sz="3200" dirty="0" smtClean="0"/>
-              <a:t>In single role the player will be in yellow color. </a:t>
+              <a:t>In single role the player will be in </a:t>
+            </a:r>
+            <a:r>
+              <a:rPr lang="en-US" sz="3200" dirty="0" smtClean="0"/>
+              <a:t>green </a:t>
+            </a:r>
+            <a:r>
+              <a:rPr lang="en-US" sz="3200" dirty="0" smtClean="0"/>
+              <a:t>color. </a:t>
             </a:r>
           </a:p>
           <a:p>
@@ -5104,7 +5124,7 @@
             </a:pPr>
             <a:r>
               <a:rPr lang="en-US" sz="2800" dirty="0" smtClean="0"/>
-              <a:t>TWO LEVELS </a:t>
+              <a:t> ONE VS ONE BATTLE</a:t>
             </a:r>
           </a:p>
           <a:p>
@@ -7227,7 +7247,11 @@
             </a:r>
             <a:r>
               <a:rPr lang="en-US" sz="3200" dirty="0" smtClean="0"/>
-              <a:t>one life for user but the life are limited </a:t>
+              <a:t>one </a:t>
+            </a:r>
+            <a:r>
+              <a:rPr lang="en-US" sz="3200" dirty="0" smtClean="0"/>
+              <a:t>life for user but the life are limited </a:t>
             </a:r>
           </a:p>
           <a:p>
@@ -7326,15 +7350,27 @@
           <a:p>
             <a:r>
               <a:rPr lang="en-US" sz="2800" dirty="0" smtClean="0"/>
-              <a:t>In next level the toughness of the will be </a:t>
-            </a:r>
-            <a:r>
-              <a:rPr lang="en-US" sz="2800" dirty="0" err="1" smtClean="0"/>
-              <a:t>increasedOnce</a:t>
+              <a:t>In </a:t>
             </a:r>
             <a:r>
               <a:rPr lang="en-US" sz="2800" dirty="0" smtClean="0"/>
-              <a:t> the certain score is reached then the player will move to next stage. </a:t>
+              <a:t>battle tank </a:t>
+            </a:r>
+            <a:r>
+              <a:rPr lang="en-US" sz="2800" dirty="0" smtClean="0"/>
+              <a:t>the toughness of the will </a:t>
+            </a:r>
+            <a:r>
+              <a:rPr lang="en-US" sz="2800" smtClean="0"/>
+              <a:t>be </a:t>
+            </a:r>
+            <a:r>
+              <a:rPr lang="en-US" sz="2800" smtClean="0"/>
+              <a:t>increased Once </a:t>
+            </a:r>
+            <a:r>
+              <a:rPr lang="en-US" sz="2800" dirty="0" smtClean="0"/>
+              <a:t>the certain score is reached then the player will move to next stage. </a:t>
             </a:r>
           </a:p>
           <a:p>
